--- a/replication_presentation.pptx
+++ b/replication_presentation.pptx
@@ -5,19 +5,18 @@
     <p:sldMasterId id="2147483660" r:id="rId1"/>
   </p:sldMasterIdLst>
   <p:notesMasterIdLst>
-    <p:notesMasterId r:id="rId12"/>
+    <p:notesMasterId r:id="rId11"/>
   </p:notesMasterIdLst>
   <p:sldIdLst>
-    <p:sldId id="256" r:id="rId2"/>
-    <p:sldId id="257" r:id="rId3"/>
-    <p:sldId id="258" r:id="rId4"/>
-    <p:sldId id="259" r:id="rId5"/>
-    <p:sldId id="263" r:id="rId6"/>
-    <p:sldId id="264" r:id="rId7"/>
-    <p:sldId id="265" r:id="rId8"/>
-    <p:sldId id="260" r:id="rId9"/>
-    <p:sldId id="261" r:id="rId10"/>
-    <p:sldId id="262" r:id="rId11"/>
+    <p:sldId id="257" r:id="rId2"/>
+    <p:sldId id="258" r:id="rId3"/>
+    <p:sldId id="263" r:id="rId4"/>
+    <p:sldId id="264" r:id="rId5"/>
+    <p:sldId id="265" r:id="rId6"/>
+    <p:sldId id="259" r:id="rId7"/>
+    <p:sldId id="260" r:id="rId8"/>
+    <p:sldId id="261" r:id="rId9"/>
+    <p:sldId id="262" r:id="rId10"/>
   </p:sldIdLst>
   <p:sldSz cx="12192000" cy="6858000"/>
   <p:notesSz cx="6858000" cy="9144000"/>
@@ -514,67 +513,9 @@
           <a:lstStyle/>
           <a:p>
             <a:r>
-              <a:rPr lang="en-GB" dirty="0"/>
-              <a:t>Goal</a:t>
-            </a:r>
-          </a:p>
-          <a:p>
-            <a:r>
-              <a:rPr lang="en-GB" dirty="0"/>
-              <a:t>----</a:t>
-            </a:r>
-          </a:p>
-          <a:p>
-            <a:r>
-              <a:rPr lang="en-GB" dirty="0"/>
-              <a:t>Test whether </a:t>
-            </a:r>
-            <a:r>
-              <a:rPr lang="en-GB" b="1" dirty="0"/>
-              <a:t>“good news” alone</a:t>
-            </a:r>
-            <a:r>
-              <a:rPr lang="en-GB" dirty="0"/>
-              <a:t> causes motivated reasoning, </a:t>
-            </a:r>
-            <a:r>
-              <a:rPr lang="en-GB" i="1" dirty="0"/>
-              <a:t>independent</a:t>
-            </a:r>
-            <a:r>
-              <a:rPr lang="en-GB" dirty="0"/>
-              <a:t> of:</a:t>
-            </a:r>
-          </a:p>
-          <a:p>
-            <a:r>
-              <a:rPr lang="en-GB" dirty="0"/>
-              <a:t>self-image</a:t>
-            </a:r>
-          </a:p>
-          <a:p>
-            <a:r>
-              <a:rPr lang="en-GB" dirty="0"/>
-              <a:t>political identity</a:t>
-            </a:r>
-          </a:p>
-          <a:p>
-            <a:r>
-              <a:rPr lang="en-GB" dirty="0"/>
-              <a:t>incentives</a:t>
-            </a:r>
-          </a:p>
-          <a:p>
-            <a:r>
-              <a:rPr lang="en-GB" dirty="0"/>
-              <a:t>functional usefulness of beliefs</a:t>
-            </a:r>
-          </a:p>
-          <a:p>
-            <a:endParaRPr lang="en-DE" dirty="0"/>
-          </a:p>
-          <a:p>
-            <a:endParaRPr lang="en-DE" dirty="0"/>
+              <a:rPr lang="en-DE" dirty="0"/>
+              <a:t>What do you think ?</a:t>
+            </a:r>
           </a:p>
         </p:txBody>
       </p:sp>
@@ -595,7 +536,7 @@
           <a:p>
             <a:fld id="{51DE4EB9-60C9-1641-9311-3E3AA9FE5E93}" type="slidenum">
               <a:rPr lang="en-DE" smtClean="0"/>
-              <a:t>4</a:t>
+              <a:t>1</a:t>
             </a:fld>
             <a:endParaRPr lang="en-DE"/>
           </a:p>
@@ -604,7 +545,7 @@
     </p:spTree>
     <p:extLst>
       <p:ext uri="{BB962C8B-B14F-4D97-AF65-F5344CB8AC3E}">
-        <p14:creationId xmlns:p14="http://schemas.microsoft.com/office/powerpoint/2010/main" val="1974822315"/>
+        <p14:creationId xmlns:p14="http://schemas.microsoft.com/office/powerpoint/2010/main" val="3423322539"/>
       </p:ext>
     </p:extLst>
   </p:cSld>
@@ -658,6 +599,64 @@
           <a:bodyPr/>
           <a:lstStyle/>
           <a:p>
+            <a:r>
+              <a:rPr lang="en-US" sz="1200" kern="1200" dirty="0">
+                <a:solidFill>
+                  <a:schemeClr val="tx1"/>
+                </a:solidFill>
+                <a:effectLst/>
+                <a:latin typeface="+mn-lt"/>
+                <a:ea typeface="+mn-ea"/>
+                <a:cs typeface="+mn-cs"/>
+              </a:rPr>
+              <a:t>That’s what Michael Thaler asked himself when conducting his study, published in the Paper Good News….</a:t>
+            </a:r>
+            <a:br>
+              <a:rPr lang="en-US" sz="1200" kern="1200" dirty="0">
+                <a:solidFill>
+                  <a:schemeClr val="tx1"/>
+                </a:solidFill>
+                <a:effectLst/>
+                <a:latin typeface="+mn-lt"/>
+                <a:ea typeface="+mn-ea"/>
+                <a:cs typeface="+mn-cs"/>
+              </a:rPr>
+            </a:br>
+            <a:r>
+              <a:rPr lang="en-US" sz="1200" kern="1200" dirty="0">
+                <a:solidFill>
+                  <a:schemeClr val="tx1"/>
+                </a:solidFill>
+                <a:effectLst/>
+                <a:latin typeface="+mn-lt"/>
+                <a:ea typeface="+mn-ea"/>
+                <a:cs typeface="+mn-cs"/>
+              </a:rPr>
+              <a:t>He asked Do people engage…</a:t>
+            </a:r>
+            <a:br>
+              <a:rPr lang="en-US" sz="1200" kern="1200" dirty="0">
+                <a:solidFill>
+                  <a:schemeClr val="tx1"/>
+                </a:solidFill>
+                <a:effectLst/>
+                <a:latin typeface="+mn-lt"/>
+                <a:ea typeface="+mn-ea"/>
+                <a:cs typeface="+mn-cs"/>
+              </a:rPr>
+            </a:br>
+            <a:r>
+              <a:rPr lang="en-US" sz="1200" kern="1200" dirty="0">
+                <a:solidFill>
+                  <a:schemeClr val="tx1"/>
+                </a:solidFill>
+                <a:effectLst/>
+                <a:latin typeface="+mn-lt"/>
+                <a:ea typeface="+mn-ea"/>
+                <a:cs typeface="+mn-cs"/>
+              </a:rPr>
+              <a:t>But how did he test it ?</a:t>
+            </a:r>
             <a:endParaRPr lang="en-DE" dirty="0"/>
           </a:p>
         </p:txBody>
@@ -679,7 +678,228 @@
           <a:p>
             <a:fld id="{51DE4EB9-60C9-1641-9311-3E3AA9FE5E93}" type="slidenum">
               <a:rPr lang="en-DE" smtClean="0"/>
-              <a:t>6</a:t>
+              <a:t>2</a:t>
+            </a:fld>
+            <a:endParaRPr lang="en-DE"/>
+          </a:p>
+        </p:txBody>
+      </p:sp>
+    </p:spTree>
+    <p:extLst>
+      <p:ext uri="{BB962C8B-B14F-4D97-AF65-F5344CB8AC3E}">
+        <p14:creationId xmlns:p14="http://schemas.microsoft.com/office/powerpoint/2010/main" val="2490385870"/>
+      </p:ext>
+    </p:extLst>
+  </p:cSld>
+  <p:clrMapOvr>
+    <a:masterClrMapping/>
+  </p:clrMapOvr>
+</p:notes>
+</file>
+
+<file path=ppt/notesSlides/notesSlide3.xml><?xml version="1.0" encoding="utf-8"?>
+<p:notes xmlns:a="http://schemas.openxmlformats.org/drawingml/2006/main" xmlns:r="http://schemas.openxmlformats.org/officeDocument/2006/relationships" xmlns:p="http://schemas.openxmlformats.org/presentationml/2006/main">
+  <p:cSld>
+    <p:spTree>
+      <p:nvGrpSpPr>
+        <p:cNvPr id="1" name=""/>
+        <p:cNvGrpSpPr/>
+        <p:nvPr/>
+      </p:nvGrpSpPr>
+      <p:grpSpPr>
+        <a:xfrm>
+          <a:off x="0" y="0"/>
+          <a:ext cx="0" cy="0"/>
+          <a:chOff x="0" y="0"/>
+          <a:chExt cx="0" cy="0"/>
+        </a:xfrm>
+      </p:grpSpPr>
+      <p:sp>
+        <p:nvSpPr>
+          <p:cNvPr id="2" name="Slide Image Placeholder 1"/>
+          <p:cNvSpPr>
+            <a:spLocks noGrp="1" noRot="1" noChangeAspect="1"/>
+          </p:cNvSpPr>
+          <p:nvPr>
+            <p:ph type="sldImg"/>
+          </p:nvPr>
+        </p:nvSpPr>
+        <p:spPr/>
+      </p:sp>
+      <p:sp>
+        <p:nvSpPr>
+          <p:cNvPr id="3" name="Notes Placeholder 2"/>
+          <p:cNvSpPr>
+            <a:spLocks noGrp="1"/>
+          </p:cNvSpPr>
+          <p:nvPr>
+            <p:ph type="body" idx="1"/>
+          </p:nvPr>
+        </p:nvSpPr>
+        <p:spPr/>
+        <p:txBody>
+          <a:bodyPr/>
+          <a:lstStyle/>
+          <a:p>
+            <a:r>
+              <a:rPr lang="en-GB" dirty="0"/>
+              <a:t>He asked participants questions like this one and then asked for their </a:t>
+            </a:r>
+            <a:r>
+              <a:rPr lang="en-GB" b="1" dirty="0"/>
+              <a:t>median belief</a:t>
+            </a:r>
+            <a:r>
+              <a:rPr lang="en-GB" dirty="0"/>
+              <a:t> (50/50 point)</a:t>
+            </a:r>
+          </a:p>
+          <a:p>
+            <a:endParaRPr lang="en-GB" dirty="0"/>
+          </a:p>
+          <a:p>
+            <a:r>
+              <a:rPr lang="en-GB" dirty="0"/>
+              <a:t>As motivation they got paid using incentive-compatible scoring system that rewarded right answers</a:t>
+            </a:r>
+          </a:p>
+          <a:p>
+            <a:endParaRPr lang="en-GB" dirty="0"/>
+          </a:p>
+          <a:p>
+            <a:r>
+              <a:rPr lang="en-GB" dirty="0"/>
+              <a:t>After the question they got a feedback…</a:t>
+            </a:r>
+          </a:p>
+          <a:p>
+            <a:endParaRPr lang="en-DE" dirty="0"/>
+          </a:p>
+        </p:txBody>
+      </p:sp>
+      <p:sp>
+        <p:nvSpPr>
+          <p:cNvPr id="4" name="Slide Number Placeholder 3"/>
+          <p:cNvSpPr>
+            <a:spLocks noGrp="1"/>
+          </p:cNvSpPr>
+          <p:nvPr>
+            <p:ph type="sldNum" sz="quarter" idx="5"/>
+          </p:nvPr>
+        </p:nvSpPr>
+        <p:spPr/>
+        <p:txBody>
+          <a:bodyPr/>
+          <a:lstStyle/>
+          <a:p>
+            <a:fld id="{51DE4EB9-60C9-1641-9311-3E3AA9FE5E93}" type="slidenum">
+              <a:rPr lang="en-DE" smtClean="0"/>
+              <a:t>3</a:t>
+            </a:fld>
+            <a:endParaRPr lang="en-DE"/>
+          </a:p>
+        </p:txBody>
+      </p:sp>
+    </p:spTree>
+    <p:extLst>
+      <p:ext uri="{BB962C8B-B14F-4D97-AF65-F5344CB8AC3E}">
+        <p14:creationId xmlns:p14="http://schemas.microsoft.com/office/powerpoint/2010/main" val="2248018696"/>
+      </p:ext>
+    </p:extLst>
+  </p:cSld>
+  <p:clrMapOvr>
+    <a:masterClrMapping/>
+  </p:clrMapOvr>
+</p:notes>
+</file>
+
+<file path=ppt/notesSlides/notesSlide4.xml><?xml version="1.0" encoding="utf-8"?>
+<p:notes xmlns:a="http://schemas.openxmlformats.org/drawingml/2006/main" xmlns:r="http://schemas.openxmlformats.org/officeDocument/2006/relationships" xmlns:p="http://schemas.openxmlformats.org/presentationml/2006/main">
+  <p:cSld>
+    <p:spTree>
+      <p:nvGrpSpPr>
+        <p:cNvPr id="1" name=""/>
+        <p:cNvGrpSpPr/>
+        <p:nvPr/>
+      </p:nvGrpSpPr>
+      <p:grpSpPr>
+        <a:xfrm>
+          <a:off x="0" y="0"/>
+          <a:ext cx="0" cy="0"/>
+          <a:chOff x="0" y="0"/>
+          <a:chExt cx="0" cy="0"/>
+        </a:xfrm>
+      </p:grpSpPr>
+      <p:sp>
+        <p:nvSpPr>
+          <p:cNvPr id="2" name="Slide Image Placeholder 1"/>
+          <p:cNvSpPr>
+            <a:spLocks noGrp="1" noRot="1" noChangeAspect="1"/>
+          </p:cNvSpPr>
+          <p:nvPr>
+            <p:ph type="sldImg"/>
+          </p:nvPr>
+        </p:nvSpPr>
+        <p:spPr/>
+      </p:sp>
+      <p:sp>
+        <p:nvSpPr>
+          <p:cNvPr id="3" name="Notes Placeholder 2"/>
+          <p:cNvSpPr>
+            <a:spLocks noGrp="1"/>
+          </p:cNvSpPr>
+          <p:nvPr>
+            <p:ph type="body" idx="1"/>
+          </p:nvPr>
+        </p:nvSpPr>
+        <p:spPr/>
+        <p:txBody>
+          <a:bodyPr/>
+          <a:lstStyle/>
+          <a:p>
+            <a:r>
+              <a:rPr lang="en-GB" dirty="0"/>
+              <a:t>The feedback was a news article that was either True or False and was either telling them that in reality the value was lower than or higher than they estimated</a:t>
+            </a:r>
+          </a:p>
+          <a:p>
+            <a:endParaRPr lang="en-GB" dirty="0"/>
+          </a:p>
+          <a:p>
+            <a:r>
+              <a:rPr lang="en-GB" dirty="0"/>
+              <a:t>Depending on the question this was coded as good or bad news ( in our case Higher would be good news </a:t>
+            </a:r>
+          </a:p>
+          <a:p>
+            <a:endParaRPr lang="en-GB" dirty="0"/>
+          </a:p>
+          <a:p>
+            <a:r>
+              <a:rPr lang="en-GB" dirty="0"/>
+              <a:t>After the news..</a:t>
+            </a:r>
+          </a:p>
+        </p:txBody>
+      </p:sp>
+      <p:sp>
+        <p:nvSpPr>
+          <p:cNvPr id="4" name="Slide Number Placeholder 3"/>
+          <p:cNvSpPr>
+            <a:spLocks noGrp="1"/>
+          </p:cNvSpPr>
+          <p:nvPr>
+            <p:ph type="sldNum" sz="quarter" idx="5"/>
+          </p:nvPr>
+        </p:nvSpPr>
+        <p:spPr/>
+        <p:txBody>
+          <a:bodyPr/>
+          <a:lstStyle/>
+          <a:p>
+            <a:fld id="{51DE4EB9-60C9-1641-9311-3E3AA9FE5E93}" type="slidenum">
+              <a:rPr lang="en-DE" smtClean="0"/>
+              <a:t>4</a:t>
             </a:fld>
             <a:endParaRPr lang="en-DE"/>
           </a:p>
@@ -698,7 +918,7 @@
 </p:notes>
 </file>
 
-<file path=ppt/notesSlides/notesSlide3.xml><?xml version="1.0" encoding="utf-8"?>
+<file path=ppt/notesSlides/notesSlide5.xml><?xml version="1.0" encoding="utf-8"?>
 <p:notes xmlns:a="http://schemas.openxmlformats.org/drawingml/2006/main" xmlns:r="http://schemas.openxmlformats.org/officeDocument/2006/relationships" xmlns:p="http://schemas.openxmlformats.org/presentationml/2006/main">
   <p:cSld>
     <p:spTree>
@@ -760,6 +980,72 @@
           <a:bodyPr/>
           <a:lstStyle/>
           <a:p>
+            <a:pPr marL="0" marR="0" lvl="0" indent="0" algn="l" defTabSz="914400" rtl="0" eaLnBrk="1" fontAlgn="auto" latinLnBrk="0" hangingPunct="1">
+              <a:lnSpc>
+                <a:spcPct val="100000"/>
+              </a:lnSpc>
+              <a:spcBef>
+                <a:spcPts val="0"/>
+              </a:spcBef>
+              <a:spcAft>
+                <a:spcPts val="0"/>
+              </a:spcAft>
+              <a:buClrTx/>
+              <a:buSzTx/>
+              <a:buFontTx/>
+              <a:buNone/>
+              <a:tabLst/>
+              <a:defRPr/>
+            </a:pPr>
+            <a:r>
+              <a:rPr lang="en-GB" dirty="0"/>
+              <a:t>They had to rate “How likely is it that this message came from the True News source?” on a scale of 1-10</a:t>
+            </a:r>
+          </a:p>
+          <a:p>
+            <a:pPr marL="0" marR="0" lvl="0" indent="0" algn="l" defTabSz="914400" rtl="0" eaLnBrk="1" fontAlgn="auto" latinLnBrk="0" hangingPunct="1">
+              <a:lnSpc>
+                <a:spcPct val="100000"/>
+              </a:lnSpc>
+              <a:spcBef>
+                <a:spcPts val="0"/>
+              </a:spcBef>
+              <a:spcAft>
+                <a:spcPts val="0"/>
+              </a:spcAft>
+              <a:buClrTx/>
+              <a:buSzTx/>
+              <a:buFontTx/>
+              <a:buNone/>
+              <a:tabLst/>
+              <a:defRPr/>
+            </a:pPr>
+            <a:endParaRPr lang="en-GB" dirty="0"/>
+          </a:p>
+          <a:p>
+            <a:pPr marL="0" marR="0" lvl="0" indent="0" algn="l" defTabSz="914400" rtl="0" eaLnBrk="1" fontAlgn="auto" latinLnBrk="0" hangingPunct="1">
+              <a:lnSpc>
+                <a:spcPct val="100000"/>
+              </a:lnSpc>
+              <a:spcBef>
+                <a:spcPts val="0"/>
+              </a:spcBef>
+              <a:spcAft>
+                <a:spcPts val="0"/>
+              </a:spcAft>
+              <a:buClrTx/>
+              <a:buSzTx/>
+              <a:buFontTx/>
+              <a:buNone/>
+              <a:tabLst/>
+              <a:defRPr/>
+            </a:pPr>
+            <a:r>
+              <a:rPr lang="en-GB" dirty="0"/>
+              <a:t> Main Dependent Variable</a:t>
+            </a:r>
+          </a:p>
+          <a:p>
             <a:endParaRPr lang="en-DE" dirty="0"/>
           </a:p>
         </p:txBody>
@@ -787,7 +1073,7 @@
           <a:p>
             <a:fld id="{51DE4EB9-60C9-1641-9311-3E3AA9FE5E93}" type="slidenum">
               <a:rPr lang="en-DE" smtClean="0"/>
-              <a:t>7</a:t>
+              <a:t>5</a:t>
             </a:fld>
             <a:endParaRPr lang="en-DE"/>
           </a:p>
@@ -797,6 +1083,289 @@
     <p:extLst>
       <p:ext uri="{BB962C8B-B14F-4D97-AF65-F5344CB8AC3E}">
         <p14:creationId xmlns:p14="http://schemas.microsoft.com/office/powerpoint/2010/main" val="3245188311"/>
+      </p:ext>
+    </p:extLst>
+  </p:cSld>
+  <p:clrMapOvr>
+    <a:masterClrMapping/>
+  </p:clrMapOvr>
+</p:notes>
+</file>
+
+<file path=ppt/notesSlides/notesSlide6.xml><?xml version="1.0" encoding="utf-8"?>
+<p:notes xmlns:a="http://schemas.openxmlformats.org/drawingml/2006/main" xmlns:r="http://schemas.openxmlformats.org/officeDocument/2006/relationships" xmlns:p="http://schemas.openxmlformats.org/presentationml/2006/main">
+  <p:cSld>
+    <p:spTree>
+      <p:nvGrpSpPr>
+        <p:cNvPr id="1" name=""/>
+        <p:cNvGrpSpPr/>
+        <p:nvPr/>
+      </p:nvGrpSpPr>
+      <p:grpSpPr>
+        <a:xfrm>
+          <a:off x="0" y="0"/>
+          <a:ext cx="0" cy="0"/>
+          <a:chOff x="0" y="0"/>
+          <a:chExt cx="0" cy="0"/>
+        </a:xfrm>
+      </p:grpSpPr>
+      <p:sp>
+        <p:nvSpPr>
+          <p:cNvPr id="2" name="Slide Image Placeholder 1"/>
+          <p:cNvSpPr>
+            <a:spLocks noGrp="1" noRot="1" noChangeAspect="1"/>
+          </p:cNvSpPr>
+          <p:nvPr>
+            <p:ph type="sldImg"/>
+          </p:nvPr>
+        </p:nvSpPr>
+        <p:spPr/>
+      </p:sp>
+      <p:sp>
+        <p:nvSpPr>
+          <p:cNvPr id="3" name="Notes Placeholder 2"/>
+          <p:cNvSpPr>
+            <a:spLocks noGrp="1"/>
+          </p:cNvSpPr>
+          <p:nvPr>
+            <p:ph type="body" idx="1"/>
+          </p:nvPr>
+        </p:nvSpPr>
+        <p:spPr/>
+        <p:txBody>
+          <a:bodyPr/>
+          <a:lstStyle/>
+          <a:p>
+            <a:r>
+              <a:rPr lang="en-GB" dirty="0"/>
+              <a:t>So quite a complicated setup to do what exactly ?</a:t>
+            </a:r>
+          </a:p>
+          <a:p>
+            <a:r>
+              <a:rPr lang="en-GB" dirty="0"/>
+              <a:t>The Goal was to test whether </a:t>
+            </a:r>
+            <a:r>
+              <a:rPr lang="en-GB" b="1" dirty="0"/>
+              <a:t>“good news” alone</a:t>
+            </a:r>
+            <a:r>
+              <a:rPr lang="en-GB" dirty="0"/>
+              <a:t> causes motivated reasoning, </a:t>
+            </a:r>
+            <a:r>
+              <a:rPr lang="en-GB" i="1" dirty="0"/>
+              <a:t>independent</a:t>
+            </a:r>
+            <a:r>
+              <a:rPr lang="en-GB" dirty="0"/>
+              <a:t> of: self-image, political identity, incentives and functional usefulness of beliefs</a:t>
+            </a:r>
+          </a:p>
+          <a:p>
+            <a:endParaRPr lang="en-DE" dirty="0"/>
+          </a:p>
+          <a:p>
+            <a:endParaRPr lang="en-DE" dirty="0"/>
+          </a:p>
+        </p:txBody>
+      </p:sp>
+      <p:sp>
+        <p:nvSpPr>
+          <p:cNvPr id="4" name="Slide Number Placeholder 3"/>
+          <p:cNvSpPr>
+            <a:spLocks noGrp="1"/>
+          </p:cNvSpPr>
+          <p:nvPr>
+            <p:ph type="sldNum" sz="quarter" idx="5"/>
+          </p:nvPr>
+        </p:nvSpPr>
+        <p:spPr/>
+        <p:txBody>
+          <a:bodyPr/>
+          <a:lstStyle/>
+          <a:p>
+            <a:fld id="{51DE4EB9-60C9-1641-9311-3E3AA9FE5E93}" type="slidenum">
+              <a:rPr lang="en-DE" smtClean="0"/>
+              <a:t>6</a:t>
+            </a:fld>
+            <a:endParaRPr lang="en-DE"/>
+          </a:p>
+        </p:txBody>
+      </p:sp>
+    </p:spTree>
+    <p:extLst>
+      <p:ext uri="{BB962C8B-B14F-4D97-AF65-F5344CB8AC3E}">
+        <p14:creationId xmlns:p14="http://schemas.microsoft.com/office/powerpoint/2010/main" val="1974822315"/>
+      </p:ext>
+    </p:extLst>
+  </p:cSld>
+  <p:clrMapOvr>
+    <a:masterClrMapping/>
+  </p:clrMapOvr>
+</p:notes>
+</file>
+
+<file path=ppt/notesSlides/notesSlide7.xml><?xml version="1.0" encoding="utf-8"?>
+<p:notes xmlns:a="http://schemas.openxmlformats.org/drawingml/2006/main" xmlns:r="http://schemas.openxmlformats.org/officeDocument/2006/relationships" xmlns:p="http://schemas.openxmlformats.org/presentationml/2006/main">
+  <p:cSld>
+    <p:spTree>
+      <p:nvGrpSpPr>
+        <p:cNvPr id="1" name=""/>
+        <p:cNvGrpSpPr/>
+        <p:nvPr/>
+      </p:nvGrpSpPr>
+      <p:grpSpPr>
+        <a:xfrm>
+          <a:off x="0" y="0"/>
+          <a:ext cx="0" cy="0"/>
+          <a:chOff x="0" y="0"/>
+          <a:chExt cx="0" cy="0"/>
+        </a:xfrm>
+      </p:grpSpPr>
+      <p:sp>
+        <p:nvSpPr>
+          <p:cNvPr id="2" name="Slide Image Placeholder 1"/>
+          <p:cNvSpPr>
+            <a:spLocks noGrp="1" noRot="1" noChangeAspect="1"/>
+          </p:cNvSpPr>
+          <p:nvPr>
+            <p:ph type="sldImg"/>
+          </p:nvPr>
+        </p:nvSpPr>
+        <p:spPr/>
+      </p:sp>
+      <p:sp>
+        <p:nvSpPr>
+          <p:cNvPr id="3" name="Notes Placeholder 2"/>
+          <p:cNvSpPr>
+            <a:spLocks noGrp="1"/>
+          </p:cNvSpPr>
+          <p:nvPr>
+            <p:ph type="body" idx="1"/>
+          </p:nvPr>
+        </p:nvSpPr>
+        <p:spPr/>
+        <p:txBody>
+          <a:bodyPr/>
+          <a:lstStyle/>
+          <a:p>
+            <a:endParaRPr lang="en-DE" dirty="0"/>
+          </a:p>
+        </p:txBody>
+      </p:sp>
+      <p:sp>
+        <p:nvSpPr>
+          <p:cNvPr id="4" name="Slide Number Placeholder 3"/>
+          <p:cNvSpPr>
+            <a:spLocks noGrp="1"/>
+          </p:cNvSpPr>
+          <p:nvPr>
+            <p:ph type="sldNum" sz="quarter" idx="5"/>
+          </p:nvPr>
+        </p:nvSpPr>
+        <p:spPr/>
+        <p:txBody>
+          <a:bodyPr/>
+          <a:lstStyle/>
+          <a:p>
+            <a:fld id="{51DE4EB9-60C9-1641-9311-3E3AA9FE5E93}" type="slidenum">
+              <a:rPr lang="en-DE" smtClean="0"/>
+              <a:t>7</a:t>
+            </a:fld>
+            <a:endParaRPr lang="en-DE"/>
+          </a:p>
+        </p:txBody>
+      </p:sp>
+    </p:spTree>
+    <p:extLst>
+      <p:ext uri="{BB962C8B-B14F-4D97-AF65-F5344CB8AC3E}">
+        <p14:creationId xmlns:p14="http://schemas.microsoft.com/office/powerpoint/2010/main" val="3801129860"/>
+      </p:ext>
+    </p:extLst>
+  </p:cSld>
+  <p:clrMapOvr>
+    <a:masterClrMapping/>
+  </p:clrMapOvr>
+</p:notes>
+</file>
+
+<file path=ppt/notesSlides/notesSlide8.xml><?xml version="1.0" encoding="utf-8"?>
+<p:notes xmlns:a="http://schemas.openxmlformats.org/drawingml/2006/main" xmlns:r="http://schemas.openxmlformats.org/officeDocument/2006/relationships" xmlns:p="http://schemas.openxmlformats.org/presentationml/2006/main">
+  <p:cSld>
+    <p:spTree>
+      <p:nvGrpSpPr>
+        <p:cNvPr id="1" name=""/>
+        <p:cNvGrpSpPr/>
+        <p:nvPr/>
+      </p:nvGrpSpPr>
+      <p:grpSpPr>
+        <a:xfrm>
+          <a:off x="0" y="0"/>
+          <a:ext cx="0" cy="0"/>
+          <a:chOff x="0" y="0"/>
+          <a:chExt cx="0" cy="0"/>
+        </a:xfrm>
+      </p:grpSpPr>
+      <p:sp>
+        <p:nvSpPr>
+          <p:cNvPr id="2" name="Slide Image Placeholder 1"/>
+          <p:cNvSpPr>
+            <a:spLocks noGrp="1" noRot="1" noChangeAspect="1"/>
+          </p:cNvSpPr>
+          <p:nvPr>
+            <p:ph type="sldImg"/>
+          </p:nvPr>
+        </p:nvSpPr>
+        <p:spPr/>
+      </p:sp>
+      <p:sp>
+        <p:nvSpPr>
+          <p:cNvPr id="3" name="Notes Placeholder 2"/>
+          <p:cNvSpPr>
+            <a:spLocks noGrp="1"/>
+          </p:cNvSpPr>
+          <p:nvPr>
+            <p:ph type="body" idx="1"/>
+          </p:nvPr>
+        </p:nvSpPr>
+        <p:spPr/>
+        <p:txBody>
+          <a:bodyPr/>
+          <a:lstStyle/>
+          <a:p>
+            <a:endParaRPr lang="en-DE" dirty="0"/>
+          </a:p>
+        </p:txBody>
+      </p:sp>
+      <p:sp>
+        <p:nvSpPr>
+          <p:cNvPr id="4" name="Slide Number Placeholder 3"/>
+          <p:cNvSpPr>
+            <a:spLocks noGrp="1"/>
+          </p:cNvSpPr>
+          <p:nvPr>
+            <p:ph type="sldNum" sz="quarter" idx="5"/>
+          </p:nvPr>
+        </p:nvSpPr>
+        <p:spPr/>
+        <p:txBody>
+          <a:bodyPr/>
+          <a:lstStyle/>
+          <a:p>
+            <a:fld id="{51DE4EB9-60C9-1641-9311-3E3AA9FE5E93}" type="slidenum">
+              <a:rPr lang="en-DE" smtClean="0"/>
+              <a:t>9</a:t>
+            </a:fld>
+            <a:endParaRPr lang="en-DE"/>
+          </a:p>
+        </p:txBody>
+      </p:sp>
+    </p:spTree>
+    <p:extLst>
+      <p:ext uri="{BB962C8B-B14F-4D97-AF65-F5344CB8AC3E}">
+        <p14:creationId xmlns:p14="http://schemas.microsoft.com/office/powerpoint/2010/main" val="628477870"/>
       </p:ext>
     </p:extLst>
   </p:cSld>
@@ -3653,178 +4222,14 @@
 <file path=ppt/slides/slide1.xml><?xml version="1.0" encoding="utf-8"?>
 <p:sld xmlns:a="http://schemas.openxmlformats.org/drawingml/2006/main" xmlns:r="http://schemas.openxmlformats.org/officeDocument/2006/relationships" xmlns:p="http://schemas.openxmlformats.org/presentationml/2006/main">
   <p:cSld>
-    <p:spTree>
-      <p:nvGrpSpPr>
-        <p:cNvPr id="1" name=""/>
-        <p:cNvGrpSpPr/>
-        <p:nvPr/>
-      </p:nvGrpSpPr>
-      <p:grpSpPr>
-        <a:xfrm>
-          <a:off x="0" y="0"/>
-          <a:ext cx="0" cy="0"/>
-          <a:chOff x="0" y="0"/>
-          <a:chExt cx="0" cy="0"/>
-        </a:xfrm>
-      </p:grpSpPr>
-      <p:sp>
-        <p:nvSpPr>
-          <p:cNvPr id="2" name="Title 1">
-            <a:extLst>
-              <a:ext uri="{FF2B5EF4-FFF2-40B4-BE49-F238E27FC236}">
-                <a16:creationId xmlns:a16="http://schemas.microsoft.com/office/drawing/2014/main" id="{64900C4A-FAA4-8B2C-E7B6-A2433C2DEE5C}"/>
-              </a:ext>
-            </a:extLst>
-          </p:cNvPr>
-          <p:cNvSpPr>
-            <a:spLocks noGrp="1"/>
-          </p:cNvSpPr>
-          <p:nvPr>
-            <p:ph type="ctrTitle"/>
-          </p:nvPr>
-        </p:nvSpPr>
-        <p:spPr/>
-        <p:txBody>
-          <a:bodyPr/>
-          <a:lstStyle/>
-          <a:p>
-            <a:r>
-              <a:rPr lang="en-DE" dirty="0"/>
-              <a:t>Trust me Bro - Good News</a:t>
-            </a:r>
-          </a:p>
-        </p:txBody>
-      </p:sp>
-      <p:sp>
-        <p:nvSpPr>
-          <p:cNvPr id="3" name="Subtitle 2">
-            <a:extLst>
-              <a:ext uri="{FF2B5EF4-FFF2-40B4-BE49-F238E27FC236}">
-                <a16:creationId xmlns:a16="http://schemas.microsoft.com/office/drawing/2014/main" id="{E2422959-CF89-0026-A3F2-27FA3A3627F5}"/>
-              </a:ext>
-            </a:extLst>
-          </p:cNvPr>
-          <p:cNvSpPr>
-            <a:spLocks noGrp="1"/>
-          </p:cNvSpPr>
-          <p:nvPr>
-            <p:ph type="subTitle" idx="1"/>
-          </p:nvPr>
-        </p:nvSpPr>
-        <p:spPr/>
-        <p:txBody>
-          <a:bodyPr/>
-          <a:lstStyle/>
-          <a:p>
-            <a:endParaRPr lang="en-DE" dirty="0"/>
-          </a:p>
-        </p:txBody>
-      </p:sp>
-    </p:spTree>
-    <p:extLst>
-      <p:ext uri="{BB962C8B-B14F-4D97-AF65-F5344CB8AC3E}">
-        <p14:creationId xmlns:p14="http://schemas.microsoft.com/office/powerpoint/2010/main" val="4294698477"/>
-      </p:ext>
-    </p:extLst>
-  </p:cSld>
-  <p:clrMapOvr>
-    <a:masterClrMapping/>
-  </p:clrMapOvr>
-</p:sld>
-</file>
-
-<file path=ppt/slides/slide10.xml><?xml version="1.0" encoding="utf-8"?>
-<p:sld xmlns:a="http://schemas.openxmlformats.org/drawingml/2006/main" xmlns:r="http://schemas.openxmlformats.org/officeDocument/2006/relationships" xmlns:p="http://schemas.openxmlformats.org/presentationml/2006/main">
-  <p:cSld>
-    <p:spTree>
-      <p:nvGrpSpPr>
-        <p:cNvPr id="1" name="">
-          <a:extLst>
-            <a:ext uri="{FF2B5EF4-FFF2-40B4-BE49-F238E27FC236}">
-              <a16:creationId xmlns:a16="http://schemas.microsoft.com/office/drawing/2014/main" id="{D9038F16-A74B-D157-7A79-31BC30588C8C}"/>
-            </a:ext>
-          </a:extLst>
-        </p:cNvPr>
-        <p:cNvGrpSpPr/>
-        <p:nvPr/>
-      </p:nvGrpSpPr>
-      <p:grpSpPr>
-        <a:xfrm>
-          <a:off x="0" y="0"/>
-          <a:ext cx="0" cy="0"/>
-          <a:chOff x="0" y="0"/>
-          <a:chExt cx="0" cy="0"/>
-        </a:xfrm>
-      </p:grpSpPr>
-      <p:sp>
-        <p:nvSpPr>
-          <p:cNvPr id="2" name="Title 1">
-            <a:extLst>
-              <a:ext uri="{FF2B5EF4-FFF2-40B4-BE49-F238E27FC236}">
-                <a16:creationId xmlns:a16="http://schemas.microsoft.com/office/drawing/2014/main" id="{54A786B3-B22A-C475-B8C6-4B02A5EBA9D3}"/>
-              </a:ext>
-            </a:extLst>
-          </p:cNvPr>
-          <p:cNvSpPr>
-            <a:spLocks noGrp="1"/>
-          </p:cNvSpPr>
-          <p:nvPr>
-            <p:ph type="title"/>
-          </p:nvPr>
-        </p:nvSpPr>
-        <p:spPr/>
-        <p:txBody>
-          <a:bodyPr/>
-          <a:lstStyle/>
-          <a:p>
-            <a:r>
-              <a:rPr lang="en-DE" dirty="0"/>
-              <a:t>Verdict &amp; Hypothesis</a:t>
-            </a:r>
-          </a:p>
-        </p:txBody>
-      </p:sp>
-      <p:sp>
-        <p:nvSpPr>
-          <p:cNvPr id="4" name="Content Placeholder 3">
-            <a:extLst>
-              <a:ext uri="{FF2B5EF4-FFF2-40B4-BE49-F238E27FC236}">
-                <a16:creationId xmlns:a16="http://schemas.microsoft.com/office/drawing/2014/main" id="{ADCBA40C-CD97-B539-5821-26C7CFB800B5}"/>
-              </a:ext>
-            </a:extLst>
-          </p:cNvPr>
-          <p:cNvSpPr>
-            <a:spLocks noGrp="1"/>
-          </p:cNvSpPr>
-          <p:nvPr>
-            <p:ph idx="1"/>
-          </p:nvPr>
-        </p:nvSpPr>
-        <p:spPr/>
-        <p:txBody>
-          <a:bodyPr/>
-          <a:lstStyle/>
-          <a:p>
-            <a:endParaRPr lang="en-DE" dirty="0"/>
-          </a:p>
-        </p:txBody>
-      </p:sp>
-    </p:spTree>
-    <p:extLst>
-      <p:ext uri="{BB962C8B-B14F-4D97-AF65-F5344CB8AC3E}">
-        <p14:creationId xmlns:p14="http://schemas.microsoft.com/office/powerpoint/2010/main" val="330628484"/>
-      </p:ext>
-    </p:extLst>
-  </p:cSld>
-  <p:clrMapOvr>
-    <a:masterClrMapping/>
-  </p:clrMapOvr>
-</p:sld>
-</file>
-
-<file path=ppt/slides/slide2.xml><?xml version="1.0" encoding="utf-8"?>
-<p:sld xmlns:a="http://schemas.openxmlformats.org/drawingml/2006/main" xmlns:r="http://schemas.openxmlformats.org/officeDocument/2006/relationships" xmlns:p="http://schemas.openxmlformats.org/presentationml/2006/main">
-  <p:cSld>
+    <p:bg>
+      <p:bgPr>
+        <a:solidFill>
+          <a:schemeClr val="bg1"/>
+        </a:solidFill>
+        <a:effectLst/>
+      </p:bgPr>
+    </p:bg>
     <p:spTree>
       <p:nvGrpSpPr>
         <p:cNvPr id="1" name="">
@@ -3845,6 +4250,39 @@
           <a:chExt cx="0" cy="0"/>
         </a:xfrm>
       </p:grpSpPr>
+      <p:pic>
+        <p:nvPicPr>
+          <p:cNvPr id="10" name="Picture 9" descr="A white and gray head with different symbols&#10;&#10;AI-generated content may be incorrect.">
+            <a:extLst>
+              <a:ext uri="{FF2B5EF4-FFF2-40B4-BE49-F238E27FC236}">
+                <a16:creationId xmlns:a16="http://schemas.microsoft.com/office/drawing/2014/main" id="{97086B5C-E821-1CEF-29A9-B3393DC77A72}"/>
+              </a:ext>
+            </a:extLst>
+          </p:cNvPr>
+          <p:cNvPicPr>
+            <a:picLocks noChangeAspect="1"/>
+          </p:cNvPicPr>
+          <p:nvPr/>
+        </p:nvPicPr>
+        <p:blipFill>
+          <a:blip r:embed="rId3">
+            <a:alphaModFix amt="40000"/>
+          </a:blip>
+          <a:srcRect t="13279" b="2451"/>
+          <a:stretch>
+            <a:fillRect/>
+          </a:stretch>
+        </p:blipFill>
+        <p:spPr>
+          <a:xfrm>
+            <a:off x="20" y="10"/>
+            <a:ext cx="12191980" cy="6857990"/>
+          </a:xfrm>
+          <a:prstGeom prst="rect">
+            <a:avLst/>
+          </a:prstGeom>
+        </p:spPr>
+      </p:pic>
       <p:sp>
         <p:nvSpPr>
           <p:cNvPr id="2" name="Title 1">
@@ -3861,13 +4299,28 @@
             <p:ph type="title"/>
           </p:nvPr>
         </p:nvSpPr>
-        <p:spPr/>
-        <p:txBody>
-          <a:bodyPr/>
-          <a:lstStyle/>
-          <a:p>
-            <a:r>
-              <a:rPr lang="en-DE" dirty="0"/>
+        <p:spPr>
+          <a:xfrm>
+            <a:off x="965200" y="965200"/>
+            <a:ext cx="10261600" cy="3564869"/>
+          </a:xfrm>
+        </p:spPr>
+        <p:txBody>
+          <a:bodyPr vert="horz" lIns="91440" tIns="45720" rIns="91440" bIns="45720" rtlCol="0" anchor="b">
+            <a:normAutofit/>
+          </a:bodyPr>
+          <a:lstStyle/>
+          <a:p>
+            <a:r>
+              <a:rPr lang="en-US" sz="11500">
+                <a:ln w="22225">
+                  <a:solidFill>
+                    <a:schemeClr val="tx1"/>
+                  </a:solidFill>
+                  <a:miter lim="800000"/>
+                </a:ln>
+                <a:noFill/>
+              </a:rPr>
               <a:t>Trusting the Good News</a:t>
             </a:r>
           </a:p>
@@ -3889,13 +4342,23 @@
             <p:ph idx="1"/>
           </p:nvPr>
         </p:nvSpPr>
-        <p:spPr/>
-        <p:txBody>
-          <a:bodyPr/>
-          <a:lstStyle/>
-          <a:p>
-            <a:r>
-              <a:rPr lang="en-DE" dirty="0"/>
+        <p:spPr>
+          <a:xfrm>
+            <a:off x="965200" y="4572002"/>
+            <a:ext cx="10261600" cy="1202995"/>
+          </a:xfrm>
+        </p:spPr>
+        <p:txBody>
+          <a:bodyPr vert="horz" lIns="91440" tIns="45720" rIns="91440" bIns="45720" rtlCol="0">
+            <a:normAutofit/>
+          </a:bodyPr>
+          <a:lstStyle/>
+          <a:p>
+            <a:pPr marL="0" indent="0">
+              <a:buNone/>
+            </a:pPr>
+            <a:r>
+              <a:rPr lang="en-US" sz="3200"/>
               <a:t>What do you think, do you trust good news more than bad news ? </a:t>
             </a:r>
           </a:p>
@@ -3914,7 +4377,7 @@
 </p:sld>
 </file>
 
-<file path=ppt/slides/slide3.xml><?xml version="1.0" encoding="utf-8"?>
+<file path=ppt/slides/slide2.xml><?xml version="1.0" encoding="utf-8"?>
 <p:sld xmlns:a="http://schemas.openxmlformats.org/drawingml/2006/main" xmlns:r="http://schemas.openxmlformats.org/officeDocument/2006/relationships" xmlns:p="http://schemas.openxmlformats.org/presentationml/2006/main">
   <p:cSld>
     <p:spTree>
@@ -3967,30 +4430,75 @@
       </p:sp>
       <p:sp>
         <p:nvSpPr>
-          <p:cNvPr id="4" name="Content Placeholder 3">
+          <p:cNvPr id="3" name="TextBox 2">
             <a:extLst>
               <a:ext uri="{FF2B5EF4-FFF2-40B4-BE49-F238E27FC236}">
-                <a16:creationId xmlns:a16="http://schemas.microsoft.com/office/drawing/2014/main" id="{5F2B8A32-3722-88E1-782F-94F3AB066FEC}"/>
+                <a16:creationId xmlns:a16="http://schemas.microsoft.com/office/drawing/2014/main" id="{D68388EC-D55D-4AD8-5804-61D6405B17EC}"/>
               </a:ext>
             </a:extLst>
           </p:cNvPr>
-          <p:cNvSpPr>
-            <a:spLocks noGrp="1"/>
-          </p:cNvSpPr>
-          <p:nvPr>
-            <p:ph idx="1"/>
-          </p:nvPr>
-        </p:nvSpPr>
-        <p:spPr/>
-        <p:txBody>
-          <a:bodyPr/>
-          <a:lstStyle/>
-          <a:p>
-            <a:r>
-              <a:rPr lang="en-GB" dirty="0"/>
+          <p:cNvSpPr txBox="1"/>
+          <p:nvPr/>
+        </p:nvSpPr>
+        <p:spPr>
+          <a:xfrm>
+            <a:off x="1408289" y="2644170"/>
+            <a:ext cx="9375422" cy="1569660"/>
+          </a:xfrm>
+          <a:prstGeom prst="rect">
+            <a:avLst/>
+          </a:prstGeom>
+          <a:noFill/>
+        </p:spPr>
+        <p:txBody>
+          <a:bodyPr wrap="square" rtlCol="0">
+            <a:spAutoFit/>
+          </a:bodyPr>
+          <a:lstStyle/>
+          <a:p>
+            <a:r>
+              <a:rPr lang="en-GB" sz="2400" i="1" dirty="0"/>
               <a:t>Do people engage in motivated reasoning just because news is “good” rather than “bad,” when ego, identity, and functional incentives are stripped away?</a:t>
             </a:r>
-            <a:endParaRPr lang="en-DE" dirty="0"/>
+            <a:endParaRPr lang="en-DE" sz="2400" i="1" dirty="0"/>
+          </a:p>
+          <a:p>
+            <a:endParaRPr lang="en-DE" sz="2400" i="1" dirty="0"/>
+          </a:p>
+        </p:txBody>
+      </p:sp>
+      <p:sp>
+        <p:nvSpPr>
+          <p:cNvPr id="5" name="TextBox 4">
+            <a:extLst>
+              <a:ext uri="{FF2B5EF4-FFF2-40B4-BE49-F238E27FC236}">
+                <a16:creationId xmlns:a16="http://schemas.microsoft.com/office/drawing/2014/main" id="{19E71385-FDF7-99A2-ACFD-96BF33753B5C}"/>
+              </a:ext>
+            </a:extLst>
+          </p:cNvPr>
+          <p:cNvSpPr txBox="1"/>
+          <p:nvPr/>
+        </p:nvSpPr>
+        <p:spPr>
+          <a:xfrm>
+            <a:off x="4955823" y="6185098"/>
+            <a:ext cx="7236177" cy="307777"/>
+          </a:xfrm>
+          <a:prstGeom prst="rect">
+            <a:avLst/>
+          </a:prstGeom>
+          <a:noFill/>
+        </p:spPr>
+        <p:txBody>
+          <a:bodyPr wrap="square" rtlCol="0">
+            <a:spAutoFit/>
+          </a:bodyPr>
+          <a:lstStyle/>
+          <a:p>
+            <a:r>
+              <a:rPr lang="en-GB" sz="1400" dirty="0"/>
+              <a:t>Good News Is Not a Sufficient Condition for Motivated Reasoning (M. Thaler,  2025)</a:t>
+            </a:r>
           </a:p>
         </p:txBody>
       </p:sp>
@@ -4007,159 +4515,7 @@
 </p:sld>
 </file>
 
-<file path=ppt/slides/slide4.xml><?xml version="1.0" encoding="utf-8"?>
-<p:sld xmlns:a="http://schemas.openxmlformats.org/drawingml/2006/main" xmlns:r="http://schemas.openxmlformats.org/officeDocument/2006/relationships" xmlns:p="http://schemas.openxmlformats.org/presentationml/2006/main">
-  <p:cSld>
-    <p:spTree>
-      <p:nvGrpSpPr>
-        <p:cNvPr id="1" name="">
-          <a:extLst>
-            <a:ext uri="{FF2B5EF4-FFF2-40B4-BE49-F238E27FC236}">
-              <a16:creationId xmlns:a16="http://schemas.microsoft.com/office/drawing/2014/main" id="{17A82473-A072-CAE6-FE52-25806EDE1BD1}"/>
-            </a:ext>
-          </a:extLst>
-        </p:cNvPr>
-        <p:cNvGrpSpPr/>
-        <p:nvPr/>
-      </p:nvGrpSpPr>
-      <p:grpSpPr>
-        <a:xfrm>
-          <a:off x="0" y="0"/>
-          <a:ext cx="0" cy="0"/>
-          <a:chOff x="0" y="0"/>
-          <a:chExt cx="0" cy="0"/>
-        </a:xfrm>
-      </p:grpSpPr>
-      <p:sp>
-        <p:nvSpPr>
-          <p:cNvPr id="2" name="Title 1">
-            <a:extLst>
-              <a:ext uri="{FF2B5EF4-FFF2-40B4-BE49-F238E27FC236}">
-                <a16:creationId xmlns:a16="http://schemas.microsoft.com/office/drawing/2014/main" id="{3AF8EFBC-BB83-11D7-BB83-7DEFB176A6F8}"/>
-              </a:ext>
-            </a:extLst>
-          </p:cNvPr>
-          <p:cNvSpPr>
-            <a:spLocks noGrp="1"/>
-          </p:cNvSpPr>
-          <p:nvPr>
-            <p:ph type="title"/>
-          </p:nvPr>
-        </p:nvSpPr>
-        <p:spPr/>
-        <p:txBody>
-          <a:bodyPr/>
-          <a:lstStyle/>
-          <a:p>
-            <a:r>
-              <a:rPr lang="en-DE" dirty="0"/>
-              <a:t>Experiment Setup Explain</a:t>
-            </a:r>
-          </a:p>
-        </p:txBody>
-      </p:sp>
-      <p:sp>
-        <p:nvSpPr>
-          <p:cNvPr id="4" name="Content Placeholder 3">
-            <a:extLst>
-              <a:ext uri="{FF2B5EF4-FFF2-40B4-BE49-F238E27FC236}">
-                <a16:creationId xmlns:a16="http://schemas.microsoft.com/office/drawing/2014/main" id="{353E206E-CC1A-6692-A831-D882224EB954}"/>
-              </a:ext>
-            </a:extLst>
-          </p:cNvPr>
-          <p:cNvSpPr>
-            <a:spLocks noGrp="1"/>
-          </p:cNvSpPr>
-          <p:nvPr>
-            <p:ph idx="1"/>
-          </p:nvPr>
-        </p:nvSpPr>
-        <p:spPr/>
-        <p:txBody>
-          <a:bodyPr/>
-          <a:lstStyle/>
-          <a:p>
-            <a:r>
-              <a:rPr lang="en-GB" dirty="0"/>
-              <a:t>&gt;6,000 observations from ~1,900 participants across multiple experiments</a:t>
-            </a:r>
-          </a:p>
-          <a:p>
-            <a:r>
-              <a:rPr lang="en-GB" dirty="0"/>
-              <a:t>Participants answer factual questions (e.g., cancer survival rates, poverty levels) and are  then asked for their </a:t>
-            </a:r>
-            <a:r>
-              <a:rPr lang="en-GB" b="1" dirty="0"/>
-              <a:t>median belief</a:t>
-            </a:r>
-            <a:r>
-              <a:rPr lang="en-GB" dirty="0"/>
-              <a:t> (50/50 point).They get paid using incentive-compatible scoring.</a:t>
-            </a:r>
-          </a:p>
-          <a:p>
-            <a:r>
-              <a:rPr lang="en-GB" dirty="0"/>
-              <a:t>Participants then see a message from one of two sources:</a:t>
-            </a:r>
-          </a:p>
-          <a:p>
-            <a:pPr lvl="1"/>
-            <a:r>
-              <a:rPr lang="en-GB" b="1" dirty="0"/>
-              <a:t>True News</a:t>
-            </a:r>
-            <a:r>
-              <a:rPr lang="en-GB" dirty="0"/>
-              <a:t> (always correct)</a:t>
-            </a:r>
-          </a:p>
-          <a:p>
-            <a:pPr lvl="1"/>
-            <a:r>
-              <a:rPr lang="en-GB" b="1" dirty="0"/>
-              <a:t>False News</a:t>
-            </a:r>
-            <a:r>
-              <a:rPr lang="en-GB" dirty="0"/>
-              <a:t> (always incorrect)</a:t>
-            </a:r>
-          </a:p>
-          <a:p>
-            <a:r>
-              <a:rPr lang="en-GB" dirty="0"/>
-              <a:t>They than rate “How likely is it that this message came from the True News source?” – Main Dependent Variable</a:t>
-            </a:r>
-          </a:p>
-          <a:p>
-            <a:endParaRPr lang="en-GB" dirty="0"/>
-          </a:p>
-          <a:p>
-            <a:endParaRPr lang="en-GB" dirty="0"/>
-          </a:p>
-          <a:p>
-            <a:endParaRPr lang="en-GB" dirty="0"/>
-          </a:p>
-          <a:p>
-            <a:endParaRPr lang="en-DE" dirty="0"/>
-          </a:p>
-        </p:txBody>
-      </p:sp>
-    </p:spTree>
-    <p:extLst>
-      <p:ext uri="{BB962C8B-B14F-4D97-AF65-F5344CB8AC3E}">
-        <p14:creationId xmlns:p14="http://schemas.microsoft.com/office/powerpoint/2010/main" val="635300643"/>
-      </p:ext>
-    </p:extLst>
-  </p:cSld>
-  <p:clrMapOvr>
-    <a:masterClrMapping/>
-  </p:clrMapOvr>
-</p:sld>
-</file>
-
-<file path=ppt/slides/slide5.xml><?xml version="1.0" encoding="utf-8"?>
+<file path=ppt/slides/slide3.xml><?xml version="1.0" encoding="utf-8"?>
 <p:sld xmlns:a="http://schemas.openxmlformats.org/drawingml/2006/main" xmlns:r="http://schemas.openxmlformats.org/officeDocument/2006/relationships" xmlns:p="http://schemas.openxmlformats.org/presentationml/2006/main">
   <p:cSld>
     <p:spTree>
@@ -4218,7 +4574,7 @@
         </p:nvSpPr>
         <p:spPr>
           <a:xfrm>
-            <a:off x="2030496" y="2898422"/>
+            <a:off x="2030496" y="2274838"/>
             <a:ext cx="8131008" cy="2308324"/>
           </a:xfrm>
           <a:prstGeom prst="rect">
@@ -4299,7 +4655,7 @@
 </p:sld>
 </file>
 
-<file path=ppt/slides/slide6.xml><?xml version="1.0" encoding="utf-8"?>
+<file path=ppt/slides/slide4.xml><?xml version="1.0" encoding="utf-8"?>
 <p:sld xmlns:a="http://schemas.openxmlformats.org/drawingml/2006/main" xmlns:r="http://schemas.openxmlformats.org/officeDocument/2006/relationships" xmlns:p="http://schemas.openxmlformats.org/presentationml/2006/main">
   <p:cSld>
     <p:spTree>
@@ -4462,7 +4818,7 @@
 </p:sld>
 </file>
 
-<file path=ppt/slides/slide7.xml><?xml version="1.0" encoding="utf-8"?>
+<file path=ppt/slides/slide5.xml><?xml version="1.0" encoding="utf-8"?>
 <p:sld xmlns:a="http://schemas.openxmlformats.org/drawingml/2006/main" xmlns:r="http://schemas.openxmlformats.org/officeDocument/2006/relationships" xmlns:p="http://schemas.openxmlformats.org/presentationml/2006/main">
   <p:cSld>
     <p:spTree>
@@ -4701,7 +5057,7 @@
           <a:p>
             <a:r>
               <a:rPr lang="en-DE" dirty="0"/>
-              <a:t>0</a:t>
+              <a:t>1</a:t>
             </a:r>
           </a:p>
         </p:txBody>
@@ -4808,7 +5164,120 @@
 </p:sld>
 </file>
 
-<file path=ppt/slides/slide8.xml><?xml version="1.0" encoding="utf-8"?>
+<file path=ppt/slides/slide6.xml><?xml version="1.0" encoding="utf-8"?>
+<p:sld xmlns:a="http://schemas.openxmlformats.org/drawingml/2006/main" xmlns:r="http://schemas.openxmlformats.org/officeDocument/2006/relationships" xmlns:p="http://schemas.openxmlformats.org/presentationml/2006/main">
+  <p:cSld>
+    <p:spTree>
+      <p:nvGrpSpPr>
+        <p:cNvPr id="1" name="">
+          <a:extLst>
+            <a:ext uri="{FF2B5EF4-FFF2-40B4-BE49-F238E27FC236}">
+              <a16:creationId xmlns:a16="http://schemas.microsoft.com/office/drawing/2014/main" id="{17A82473-A072-CAE6-FE52-25806EDE1BD1}"/>
+            </a:ext>
+          </a:extLst>
+        </p:cNvPr>
+        <p:cNvGrpSpPr/>
+        <p:nvPr/>
+      </p:nvGrpSpPr>
+      <p:grpSpPr>
+        <a:xfrm>
+          <a:off x="0" y="0"/>
+          <a:ext cx="0" cy="0"/>
+          <a:chOff x="0" y="0"/>
+          <a:chExt cx="0" cy="0"/>
+        </a:xfrm>
+      </p:grpSpPr>
+      <p:sp>
+        <p:nvSpPr>
+          <p:cNvPr id="2" name="Title 1">
+            <a:extLst>
+              <a:ext uri="{FF2B5EF4-FFF2-40B4-BE49-F238E27FC236}">
+                <a16:creationId xmlns:a16="http://schemas.microsoft.com/office/drawing/2014/main" id="{3AF8EFBC-BB83-11D7-BB83-7DEFB176A6F8}"/>
+              </a:ext>
+            </a:extLst>
+          </p:cNvPr>
+          <p:cNvSpPr>
+            <a:spLocks noGrp="1"/>
+          </p:cNvSpPr>
+          <p:nvPr>
+            <p:ph type="title"/>
+          </p:nvPr>
+        </p:nvSpPr>
+        <p:spPr/>
+        <p:txBody>
+          <a:bodyPr/>
+          <a:lstStyle/>
+          <a:p>
+            <a:r>
+              <a:rPr lang="en-DE" dirty="0"/>
+              <a:t>Experiment Setup Explain</a:t>
+            </a:r>
+          </a:p>
+        </p:txBody>
+      </p:sp>
+      <p:sp>
+        <p:nvSpPr>
+          <p:cNvPr id="4" name="Content Placeholder 3">
+            <a:extLst>
+              <a:ext uri="{FF2B5EF4-FFF2-40B4-BE49-F238E27FC236}">
+                <a16:creationId xmlns:a16="http://schemas.microsoft.com/office/drawing/2014/main" id="{353E206E-CC1A-6692-A831-D882224EB954}"/>
+              </a:ext>
+            </a:extLst>
+          </p:cNvPr>
+          <p:cNvSpPr>
+            <a:spLocks noGrp="1"/>
+          </p:cNvSpPr>
+          <p:nvPr>
+            <p:ph idx="1"/>
+          </p:nvPr>
+        </p:nvSpPr>
+        <p:spPr/>
+        <p:txBody>
+          <a:bodyPr/>
+          <a:lstStyle/>
+          <a:p>
+            <a:r>
+              <a:rPr lang="en-GB" dirty="0"/>
+              <a:t>&gt;6,000 observations</a:t>
+            </a:r>
+          </a:p>
+          <a:p>
+            <a:r>
+              <a:rPr lang="en-GB" dirty="0"/>
+              <a:t>~1,900 participant</a:t>
+            </a:r>
+          </a:p>
+          <a:p>
+            <a:r>
+              <a:rPr lang="en-GB" dirty="0"/>
+              <a:t>3 Waves</a:t>
+            </a:r>
+          </a:p>
+          <a:p>
+            <a:endParaRPr lang="en-GB" dirty="0"/>
+          </a:p>
+          <a:p>
+            <a:endParaRPr lang="en-GB" dirty="0"/>
+          </a:p>
+          <a:p>
+            <a:endParaRPr lang="en-DE" dirty="0"/>
+          </a:p>
+        </p:txBody>
+      </p:sp>
+    </p:spTree>
+    <p:extLst>
+      <p:ext uri="{BB962C8B-B14F-4D97-AF65-F5344CB8AC3E}">
+        <p14:creationId xmlns:p14="http://schemas.microsoft.com/office/powerpoint/2010/main" val="635300643"/>
+      </p:ext>
+    </p:extLst>
+  </p:cSld>
+  <p:clrMapOvr>
+    <a:masterClrMapping/>
+  </p:clrMapOvr>
+</p:sld>
+</file>
+
+<file path=ppt/slides/slide7.xml><?xml version="1.0" encoding="utf-8"?>
 <p:sld xmlns:a="http://schemas.openxmlformats.org/drawingml/2006/main" xmlns:r="http://schemas.openxmlformats.org/officeDocument/2006/relationships" xmlns:p="http://schemas.openxmlformats.org/presentationml/2006/main">
   <p:cSld>
     <p:spTree>
@@ -4880,7 +5349,22 @@
           <a:bodyPr/>
           <a:lstStyle/>
           <a:p>
-            <a:endParaRPr lang="en-DE" dirty="0"/>
+            <a:r>
+              <a:rPr lang="en-DE" dirty="0"/>
+              <a:t>We tried to replicate the results with the original data </a:t>
+            </a:r>
+          </a:p>
+          <a:p>
+            <a:r>
+              <a:rPr lang="en-DE" dirty="0"/>
+              <a:t>We only used wave 1, due to the complexity</a:t>
+            </a:r>
+          </a:p>
+          <a:p>
+            <a:r>
+              <a:rPr lang="en-DE" dirty="0"/>
+              <a:t>Out results show that…</a:t>
+            </a:r>
           </a:p>
         </p:txBody>
       </p:sp>
@@ -4897,7 +5381,7 @@
 </p:sld>
 </file>
 
-<file path=ppt/slides/slide9.xml><?xml version="1.0" encoding="utf-8"?>
+<file path=ppt/slides/slide8.xml><?xml version="1.0" encoding="utf-8"?>
 <p:sld xmlns:a="http://schemas.openxmlformats.org/drawingml/2006/main" xmlns:r="http://schemas.openxmlformats.org/officeDocument/2006/relationships" xmlns:p="http://schemas.openxmlformats.org/presentationml/2006/main">
   <p:cSld>
     <p:spTree>
@@ -4969,7 +5453,10 @@
           <a:bodyPr/>
           <a:lstStyle/>
           <a:p>
-            <a:endParaRPr lang="en-DE" dirty="0"/>
+            <a:r>
+              <a:rPr lang="en-DE" dirty="0"/>
+              <a:t>After replication we tried to extend the experiment by…</a:t>
+            </a:r>
           </a:p>
         </p:txBody>
       </p:sp>
@@ -4977,6 +5464,98 @@
     <p:extLst>
       <p:ext uri="{BB962C8B-B14F-4D97-AF65-F5344CB8AC3E}">
         <p14:creationId xmlns:p14="http://schemas.microsoft.com/office/powerpoint/2010/main" val="2239823579"/>
+      </p:ext>
+    </p:extLst>
+  </p:cSld>
+  <p:clrMapOvr>
+    <a:masterClrMapping/>
+  </p:clrMapOvr>
+</p:sld>
+</file>
+
+<file path=ppt/slides/slide9.xml><?xml version="1.0" encoding="utf-8"?>
+<p:sld xmlns:a="http://schemas.openxmlformats.org/drawingml/2006/main" xmlns:r="http://schemas.openxmlformats.org/officeDocument/2006/relationships" xmlns:p="http://schemas.openxmlformats.org/presentationml/2006/main">
+  <p:cSld>
+    <p:spTree>
+      <p:nvGrpSpPr>
+        <p:cNvPr id="1" name="">
+          <a:extLst>
+            <a:ext uri="{FF2B5EF4-FFF2-40B4-BE49-F238E27FC236}">
+              <a16:creationId xmlns:a16="http://schemas.microsoft.com/office/drawing/2014/main" id="{D9038F16-A74B-D157-7A79-31BC30588C8C}"/>
+            </a:ext>
+          </a:extLst>
+        </p:cNvPr>
+        <p:cNvGrpSpPr/>
+        <p:nvPr/>
+      </p:nvGrpSpPr>
+      <p:grpSpPr>
+        <a:xfrm>
+          <a:off x="0" y="0"/>
+          <a:ext cx="0" cy="0"/>
+          <a:chOff x="0" y="0"/>
+          <a:chExt cx="0" cy="0"/>
+        </a:xfrm>
+      </p:grpSpPr>
+      <p:sp>
+        <p:nvSpPr>
+          <p:cNvPr id="2" name="Title 1">
+            <a:extLst>
+              <a:ext uri="{FF2B5EF4-FFF2-40B4-BE49-F238E27FC236}">
+                <a16:creationId xmlns:a16="http://schemas.microsoft.com/office/drawing/2014/main" id="{54A786B3-B22A-C475-B8C6-4B02A5EBA9D3}"/>
+              </a:ext>
+            </a:extLst>
+          </p:cNvPr>
+          <p:cNvSpPr>
+            <a:spLocks noGrp="1"/>
+          </p:cNvSpPr>
+          <p:nvPr>
+            <p:ph type="title"/>
+          </p:nvPr>
+        </p:nvSpPr>
+        <p:spPr/>
+        <p:txBody>
+          <a:bodyPr/>
+          <a:lstStyle/>
+          <a:p>
+            <a:r>
+              <a:rPr lang="en-DE" dirty="0"/>
+              <a:t>Verdict &amp; Hypothesis</a:t>
+            </a:r>
+          </a:p>
+        </p:txBody>
+      </p:sp>
+      <p:sp>
+        <p:nvSpPr>
+          <p:cNvPr id="4" name="Content Placeholder 3">
+            <a:extLst>
+              <a:ext uri="{FF2B5EF4-FFF2-40B4-BE49-F238E27FC236}">
+                <a16:creationId xmlns:a16="http://schemas.microsoft.com/office/drawing/2014/main" id="{ADCBA40C-CD97-B539-5821-26C7CFB800B5}"/>
+              </a:ext>
+            </a:extLst>
+          </p:cNvPr>
+          <p:cNvSpPr>
+            <a:spLocks noGrp="1"/>
+          </p:cNvSpPr>
+          <p:nvPr>
+            <p:ph idx="1"/>
+          </p:nvPr>
+        </p:nvSpPr>
+        <p:spPr/>
+        <p:txBody>
+          <a:bodyPr/>
+          <a:lstStyle/>
+          <a:p>
+            <a:r>
+              <a:rPr lang="en-DE" dirty="0"/>
+              <a:t>We see that people do not engage in motivated reasoning when receiving good news, they hold their beliefs  </a:t>
+            </a:r>
+          </a:p>
+        </p:txBody>
+      </p:sp>
+    </p:spTree>
+    <p:extLst>
+      <p:ext uri="{BB962C8B-B14F-4D97-AF65-F5344CB8AC3E}">
+        <p14:creationId xmlns:p14="http://schemas.microsoft.com/office/powerpoint/2010/main" val="330628484"/>
       </p:ext>
     </p:extLst>
   </p:cSld>

--- a/replication_presentation.pptx
+++ b/replication_presentation.pptx
@@ -4358,7 +4358,7 @@
               <a:buNone/>
             </a:pPr>
             <a:r>
-              <a:rPr lang="en-US" sz="3200"/>
+              <a:rPr lang="en-US" sz="3200" dirty="0"/>
               <a:t>What do you think, do you trust good news more than bad news ? </a:t>
             </a:r>
           </a:p>
@@ -5549,6 +5549,21 @@
               <a:rPr lang="en-DE" dirty="0"/>
               <a:t>We see that people do not engage in motivated reasoning when receiving good news, they hold their beliefs  </a:t>
             </a:r>
+          </a:p>
+          <a:p>
+            <a:pPr lvl="1"/>
+            <a:r>
+              <a:rPr lang="en-GB" dirty="0"/>
+              <a:t>Motivated reasoning does not arise from wanting the world to be good.</a:t>
+            </a:r>
+            <a:br>
+              <a:rPr lang="en-GB" dirty="0"/>
+            </a:br>
+            <a:r>
+              <a:rPr lang="en-GB" dirty="0"/>
+              <a:t>It arises when beliefs serve identity, ego, or strategic function.</a:t>
+            </a:r>
+            <a:endParaRPr lang="en-DE" dirty="0"/>
           </a:p>
         </p:txBody>
       </p:sp>
